--- a/Abdulaziz Almuhaidib - Project.pptx
+++ b/Abdulaziz Almuhaidib - Project.pptx
@@ -14,7 +14,8 @@
     <p:sldId id="259" r:id="rId8"/>
     <p:sldId id="260" r:id="rId9"/>
     <p:sldId id="265" r:id="rId10"/>
-    <p:sldId id="267" r:id="rId11"/>
+    <p:sldId id="268" r:id="rId11"/>
+    <p:sldId id="267" r:id="rId12"/>
   </p:sldIdLst>
   <p:sldSz cx="12192000" cy="6858000"/>
   <p:notesSz cx="6858000" cy="9144000"/>
@@ -113,6 +114,11 @@
       </a:defRPr>
     </a:lvl9pPr>
   </p:defaultTextStyle>
+  <p:extLst>
+    <p:ext uri="{EFAFB233-063F-42B5-8137-9DF3F51BA10A}">
+      <p15:sldGuideLst xmlns:p15="http://schemas.microsoft.com/office/powerpoint/2012/main"/>
+    </p:ext>
+  </p:extLst>
 </p:presentation>
 </file>
 
@@ -6336,7 +6342,7 @@
           </a:effectLst>
           <a:extLst>
             <a:ext uri="{91240B29-F687-4f45-9708-019B960494DF}">
-              <a14:hiddenLine xmlns="" xmlns:a16="http://schemas.microsoft.com/office/drawing/2014/main" xmlns:p14="http://schemas.microsoft.com/office/powerpoint/2010/main" xmlns:a14="http://schemas.microsoft.com/office/drawing/2010/main" w="9525">
+              <a14:hiddenLine xmlns:a14="http://schemas.microsoft.com/office/drawing/2010/main" xmlns:p14="http://schemas.microsoft.com/office/powerpoint/2010/main" xmlns:a16="http://schemas.microsoft.com/office/drawing/2014/main" xmlns="" w="9525">
                 <a:solidFill>
                   <a:srgbClr val="000000"/>
                 </a:solidFill>
@@ -6450,6 +6456,670 @@
 </file>
 
 <file path=ppt/slides/slide10.xml><?xml version="1.0" encoding="utf-8"?>
+<p:sld xmlns:a="http://schemas.openxmlformats.org/drawingml/2006/main" xmlns:r="http://schemas.openxmlformats.org/officeDocument/2006/relationships" xmlns:p="http://schemas.openxmlformats.org/presentationml/2006/main">
+  <p:cSld>
+    <p:bg>
+      <p:bgPr>
+        <a:solidFill>
+          <a:schemeClr val="bg1"/>
+        </a:solidFill>
+        <a:effectLst/>
+      </p:bgPr>
+    </p:bg>
+    <p:spTree>
+      <p:nvGrpSpPr>
+        <p:cNvPr id="1" name=""/>
+        <p:cNvGrpSpPr/>
+        <p:nvPr/>
+      </p:nvGrpSpPr>
+      <p:grpSpPr>
+        <a:xfrm>
+          <a:off x="0" y="0"/>
+          <a:ext cx="0" cy="0"/>
+          <a:chOff x="0" y="0"/>
+          <a:chExt cx="0" cy="0"/>
+        </a:xfrm>
+      </p:grpSpPr>
+      <p:sp useBgFill="1">
+        <p:nvSpPr>
+          <p:cNvPr id="14" name="Rectangle 7">
+            <a:extLst>
+              <a:ext uri="{FF2B5EF4-FFF2-40B4-BE49-F238E27FC236}">
+                <a16:creationId xmlns:a16="http://schemas.microsoft.com/office/drawing/2014/main" id="{56B051A4-96A7-4A11-9DAD-063A9C577F83}"/>
+              </a:ext>
+              <a:ext uri="{C183D7F6-B498-43B3-948B-1728B52AA6E4}">
+                <adec:decorative xmlns:adec="http://schemas.microsoft.com/office/drawing/2017/decorative" val="1"/>
+              </a:ext>
+            </a:extLst>
+          </p:cNvPr>
+          <p:cNvSpPr>
+            <a:spLocks noGrp="1" noRot="1" noChangeAspect="1" noMove="1" noResize="1" noEditPoints="1" noAdjustHandles="1" noChangeArrowheads="1" noChangeShapeType="1" noTextEdit="1"/>
+          </p:cNvSpPr>
+          <p:nvPr>
+            <p:extLst>
+              <p:ext uri="{386F3935-93C4-4BCD-93E2-E3B085C9AB24}">
+                <p16:designElem xmlns:p16="http://schemas.microsoft.com/office/powerpoint/2015/main" val="1"/>
+              </p:ext>
+            </p:extLst>
+          </p:nvPr>
+        </p:nvSpPr>
+        <p:spPr>
+          <a:xfrm>
+            <a:off x="0" y="0"/>
+            <a:ext cx="12192000" cy="6858000"/>
+          </a:xfrm>
+          <a:prstGeom prst="rect">
+            <a:avLst/>
+          </a:prstGeom>
+          <a:ln>
+            <a:noFill/>
+          </a:ln>
+        </p:spPr>
+        <p:style>
+          <a:lnRef idx="2">
+            <a:schemeClr val="accent1">
+              <a:shade val="50000"/>
+            </a:schemeClr>
+          </a:lnRef>
+          <a:fillRef idx="1">
+            <a:schemeClr val="accent1"/>
+          </a:fillRef>
+          <a:effectRef idx="0">
+            <a:schemeClr val="accent1"/>
+          </a:effectRef>
+          <a:fontRef idx="minor">
+            <a:schemeClr val="lt1"/>
+          </a:fontRef>
+        </p:style>
+        <p:txBody>
+          <a:bodyPr rtlCol="0" anchor="ctr"/>
+          <a:lstStyle/>
+          <a:p>
+            <a:pPr algn="ctr"/>
+            <a:endParaRPr lang="en-US"/>
+          </a:p>
+        </p:txBody>
+      </p:sp>
+      <p:sp>
+        <p:nvSpPr>
+          <p:cNvPr id="15" name="Rectangle 9">
+            <a:extLst>
+              <a:ext uri="{FF2B5EF4-FFF2-40B4-BE49-F238E27FC236}">
+                <a16:creationId xmlns:a16="http://schemas.microsoft.com/office/drawing/2014/main" id="{45B67B9C-9B45-4084-9BB5-187071EE9A61}"/>
+              </a:ext>
+              <a:ext uri="{C183D7F6-B498-43B3-948B-1728B52AA6E4}">
+                <adec:decorative xmlns:adec="http://schemas.microsoft.com/office/drawing/2017/decorative" val="1"/>
+              </a:ext>
+            </a:extLst>
+          </p:cNvPr>
+          <p:cNvSpPr>
+            <a:spLocks noGrp="1" noRot="1" noChangeAspect="1" noMove="1" noResize="1" noEditPoints="1" noAdjustHandles="1" noChangeArrowheads="1" noChangeShapeType="1" noTextEdit="1"/>
+          </p:cNvSpPr>
+          <p:nvPr>
+            <p:extLst>
+              <p:ext uri="{386F3935-93C4-4BCD-93E2-E3B085C9AB24}">
+                <p16:designElem xmlns:p16="http://schemas.microsoft.com/office/powerpoint/2015/main" val="1"/>
+              </p:ext>
+            </p:extLst>
+          </p:nvPr>
+        </p:nvSpPr>
+        <p:spPr>
+          <a:xfrm>
+            <a:off x="0" y="0"/>
+            <a:ext cx="12192000" cy="2565918"/>
+          </a:xfrm>
+          <a:prstGeom prst="rect">
+            <a:avLst/>
+          </a:prstGeom>
+          <a:ln>
+            <a:noFill/>
+          </a:ln>
+        </p:spPr>
+        <p:style>
+          <a:lnRef idx="2">
+            <a:schemeClr val="accent1">
+              <a:shade val="50000"/>
+            </a:schemeClr>
+          </a:lnRef>
+          <a:fillRef idx="1003">
+            <a:schemeClr val="dk2"/>
+          </a:fillRef>
+          <a:effectRef idx="0">
+            <a:schemeClr val="accent1"/>
+          </a:effectRef>
+          <a:fontRef idx="minor">
+            <a:schemeClr val="lt1"/>
+          </a:fontRef>
+        </p:style>
+        <p:txBody>
+          <a:bodyPr rtlCol="0" anchor="ctr"/>
+          <a:lstStyle/>
+          <a:p>
+            <a:pPr algn="ctr"/>
+            <a:endParaRPr lang="en-US"/>
+          </a:p>
+        </p:txBody>
+      </p:sp>
+      <p:sp>
+        <p:nvSpPr>
+          <p:cNvPr id="2" name="Title 1">
+            <a:extLst>
+              <a:ext uri="{FF2B5EF4-FFF2-40B4-BE49-F238E27FC236}">
+                <a16:creationId xmlns:a16="http://schemas.microsoft.com/office/drawing/2014/main" id="{6ED776D1-5127-475D-8195-0340FF722696}"/>
+              </a:ext>
+            </a:extLst>
+          </p:cNvPr>
+          <p:cNvSpPr>
+            <a:spLocks noGrp="1"/>
+          </p:cNvSpPr>
+          <p:nvPr>
+            <p:ph type="title"/>
+          </p:nvPr>
+        </p:nvSpPr>
+        <p:spPr>
+          <a:xfrm>
+            <a:off x="532326" y="741515"/>
+            <a:ext cx="10353761" cy="1633340"/>
+          </a:xfrm>
+        </p:spPr>
+        <p:txBody>
+          <a:bodyPr>
+            <a:normAutofit/>
+          </a:bodyPr>
+          <a:lstStyle/>
+          <a:p>
+            <a:r>
+              <a:rPr lang="en-US" sz="4000" dirty="0">
+                <a:solidFill>
+                  <a:schemeClr val="bg1"/>
+                </a:solidFill>
+                <a:effectLst>
+                  <a:outerShdw blurRad="38100" dist="38100" dir="2700000" algn="tl">
+                    <a:srgbClr val="000000">
+                      <a:alpha val="43137"/>
+                    </a:srgbClr>
+                  </a:outerShdw>
+                </a:effectLst>
+                <a:ea typeface="Times New Roman" panose="02020603050405020304" pitchFamily="18" charset="0"/>
+                <a:cs typeface="Times New Roman" panose="02020603050405020304" pitchFamily="18" charset="0"/>
+              </a:rPr>
+              <a:t>Model Evaluation and Selection</a:t>
+            </a:r>
+            <a:endParaRPr lang="en-US" sz="8800" dirty="0">
+              <a:solidFill>
+                <a:schemeClr val="bg1"/>
+              </a:solidFill>
+              <a:effectLst>
+                <a:outerShdw blurRad="38100" dist="38100" dir="2700000" algn="tl">
+                  <a:srgbClr val="000000">
+                    <a:alpha val="43137"/>
+                  </a:srgbClr>
+                </a:outerShdw>
+              </a:effectLst>
+            </a:endParaRPr>
+          </a:p>
+        </p:txBody>
+      </p:sp>
+      <p:graphicFrame>
+        <p:nvGraphicFramePr>
+          <p:cNvPr id="4" name="Table 4">
+            <a:extLst>
+              <a:ext uri="{FF2B5EF4-FFF2-40B4-BE49-F238E27FC236}">
+                <a16:creationId xmlns:a16="http://schemas.microsoft.com/office/drawing/2014/main" id="{A8B857AE-9EC4-4C18-8F90-0D62EF59F3DD}"/>
+              </a:ext>
+            </a:extLst>
+          </p:cNvPr>
+          <p:cNvGraphicFramePr>
+            <a:graphicFrameLocks noGrp="1"/>
+          </p:cNvGraphicFramePr>
+          <p:nvPr>
+            <p:ph idx="1"/>
+            <p:extLst>
+              <p:ext uri="{D42A27DB-BD31-4B8C-83A1-F6EECF244321}">
+                <p14:modId xmlns:p14="http://schemas.microsoft.com/office/powerpoint/2010/main" val="2741287438"/>
+              </p:ext>
+            </p:extLst>
+          </p:nvPr>
+        </p:nvGraphicFramePr>
+        <p:xfrm>
+          <a:off x="785374" y="3847454"/>
+          <a:ext cx="10353675" cy="741680"/>
+        </p:xfrm>
+        <a:graphic>
+          <a:graphicData uri="http://schemas.openxmlformats.org/drawingml/2006/table">
+            <a:tbl>
+              <a:tblPr firstRow="1" bandRow="1">
+                <a:tableStyleId>{073A0DAA-6AF3-43AB-8588-CEC1D06C72B9}</a:tableStyleId>
+              </a:tblPr>
+              <a:tblGrid>
+                <a:gridCol w="3451225">
+                  <a:extLst>
+                    <a:ext uri="{9D8B030D-6E8A-4147-A177-3AD203B41FA5}">
+                      <a16:colId xmlns:a16="http://schemas.microsoft.com/office/drawing/2014/main" val="3087241847"/>
+                    </a:ext>
+                  </a:extLst>
+                </a:gridCol>
+                <a:gridCol w="3451225">
+                  <a:extLst>
+                    <a:ext uri="{9D8B030D-6E8A-4147-A177-3AD203B41FA5}">
+                      <a16:colId xmlns:a16="http://schemas.microsoft.com/office/drawing/2014/main" val="2433906919"/>
+                    </a:ext>
+                  </a:extLst>
+                </a:gridCol>
+                <a:gridCol w="3451225">
+                  <a:extLst>
+                    <a:ext uri="{9D8B030D-6E8A-4147-A177-3AD203B41FA5}">
+                      <a16:colId xmlns:a16="http://schemas.microsoft.com/office/drawing/2014/main" val="1390512816"/>
+                    </a:ext>
+                  </a:extLst>
+                </a:gridCol>
+              </a:tblGrid>
+              <a:tr h="370840">
+                <a:tc>
+                  <a:txBody>
+                    <a:bodyPr/>
+                    <a:lstStyle/>
+                    <a:p>
+                      <a:pPr algn="ctr"/>
+                      <a:r>
+                        <a:rPr lang="en-US" dirty="0"/>
+                        <a:t>Model </a:t>
+                      </a:r>
+                    </a:p>
+                  </a:txBody>
+                  <a:tcPr>
+                    <a:lnL w="12700" cap="flat" cmpd="sng" algn="ctr">
+                      <a:solidFill>
+                        <a:schemeClr val="tx1"/>
+                      </a:solidFill>
+                      <a:prstDash val="solid"/>
+                      <a:round/>
+                      <a:headEnd type="none" w="med" len="med"/>
+                      <a:tailEnd type="none" w="med" len="med"/>
+                    </a:lnL>
+                    <a:lnR w="12700" cap="flat" cmpd="sng" algn="ctr">
+                      <a:solidFill>
+                        <a:schemeClr val="tx1"/>
+                      </a:solidFill>
+                      <a:prstDash val="solid"/>
+                      <a:round/>
+                      <a:headEnd type="none" w="med" len="med"/>
+                      <a:tailEnd type="none" w="med" len="med"/>
+                    </a:lnR>
+                    <a:lnT w="12700" cap="flat" cmpd="sng" algn="ctr">
+                      <a:solidFill>
+                        <a:schemeClr val="tx1"/>
+                      </a:solidFill>
+                      <a:prstDash val="solid"/>
+                      <a:round/>
+                      <a:headEnd type="none" w="med" len="med"/>
+                      <a:tailEnd type="none" w="med" len="med"/>
+                    </a:lnT>
+                    <a:lnB w="12700" cap="flat" cmpd="sng" algn="ctr">
+                      <a:solidFill>
+                        <a:schemeClr val="tx1"/>
+                      </a:solidFill>
+                      <a:prstDash val="solid"/>
+                      <a:round/>
+                      <a:headEnd type="none" w="med" len="med"/>
+                      <a:tailEnd type="none" w="med" len="med"/>
+                    </a:lnB>
+                  </a:tcPr>
+                </a:tc>
+                <a:tc>
+                  <a:txBody>
+                    <a:bodyPr/>
+                    <a:lstStyle/>
+                    <a:p>
+                      <a:pPr algn="ctr"/>
+                      <a:r>
+                        <a:rPr lang="en-US" sz="1800" b="1" kern="1200" dirty="0">
+                          <a:solidFill>
+                            <a:schemeClr val="lt1"/>
+                          </a:solidFill>
+                          <a:effectLst/>
+                        </a:rPr>
+                        <a:t>Final random forest </a:t>
+                      </a:r>
+                      <a:endParaRPr lang="en-US" dirty="0"/>
+                    </a:p>
+                  </a:txBody>
+                  <a:tcPr>
+                    <a:lnL w="12700" cap="flat" cmpd="sng" algn="ctr">
+                      <a:solidFill>
+                        <a:schemeClr val="tx1"/>
+                      </a:solidFill>
+                      <a:prstDash val="solid"/>
+                      <a:round/>
+                      <a:headEnd type="none" w="med" len="med"/>
+                      <a:tailEnd type="none" w="med" len="med"/>
+                    </a:lnL>
+                    <a:lnR w="12700" cap="flat" cmpd="sng" algn="ctr">
+                      <a:solidFill>
+                        <a:schemeClr val="tx1"/>
+                      </a:solidFill>
+                      <a:prstDash val="solid"/>
+                      <a:round/>
+                      <a:headEnd type="none" w="med" len="med"/>
+                      <a:tailEnd type="none" w="med" len="med"/>
+                    </a:lnR>
+                    <a:lnT w="12700" cap="flat" cmpd="sng" algn="ctr">
+                      <a:solidFill>
+                        <a:schemeClr val="tx1"/>
+                      </a:solidFill>
+                      <a:prstDash val="solid"/>
+                      <a:round/>
+                      <a:headEnd type="none" w="med" len="med"/>
+                      <a:tailEnd type="none" w="med" len="med"/>
+                    </a:lnT>
+                    <a:lnB w="12700" cap="flat" cmpd="sng" algn="ctr">
+                      <a:solidFill>
+                        <a:schemeClr val="tx1"/>
+                      </a:solidFill>
+                      <a:prstDash val="solid"/>
+                      <a:round/>
+                      <a:headEnd type="none" w="med" len="med"/>
+                      <a:tailEnd type="none" w="med" len="med"/>
+                    </a:lnB>
+                  </a:tcPr>
+                </a:tc>
+                <a:tc>
+                  <a:txBody>
+                    <a:bodyPr/>
+                    <a:lstStyle/>
+                    <a:p>
+                      <a:pPr algn="ctr"/>
+                      <a:r>
+                        <a:rPr lang="en-US" sz="1800" b="1" kern="1200" dirty="0">
+                          <a:solidFill>
+                            <a:schemeClr val="lt1"/>
+                          </a:solidFill>
+                          <a:effectLst/>
+                        </a:rPr>
+                        <a:t>K-Nearest Neighbors </a:t>
+                      </a:r>
+                      <a:endParaRPr lang="en-US" dirty="0"/>
+                    </a:p>
+                  </a:txBody>
+                  <a:tcPr>
+                    <a:lnL w="12700" cap="flat" cmpd="sng" algn="ctr">
+                      <a:solidFill>
+                        <a:schemeClr val="tx1"/>
+                      </a:solidFill>
+                      <a:prstDash val="solid"/>
+                      <a:round/>
+                      <a:headEnd type="none" w="med" len="med"/>
+                      <a:tailEnd type="none" w="med" len="med"/>
+                    </a:lnL>
+                    <a:lnR w="12700" cap="flat" cmpd="sng" algn="ctr">
+                      <a:solidFill>
+                        <a:schemeClr val="tx1"/>
+                      </a:solidFill>
+                      <a:prstDash val="solid"/>
+                      <a:round/>
+                      <a:headEnd type="none" w="med" len="med"/>
+                      <a:tailEnd type="none" w="med" len="med"/>
+                    </a:lnR>
+                    <a:lnT w="12700" cap="flat" cmpd="sng" algn="ctr">
+                      <a:solidFill>
+                        <a:schemeClr val="tx1"/>
+                      </a:solidFill>
+                      <a:prstDash val="solid"/>
+                      <a:round/>
+                      <a:headEnd type="none" w="med" len="med"/>
+                      <a:tailEnd type="none" w="med" len="med"/>
+                    </a:lnT>
+                    <a:lnB w="12700" cap="flat" cmpd="sng" algn="ctr">
+                      <a:solidFill>
+                        <a:schemeClr val="tx1"/>
+                      </a:solidFill>
+                      <a:prstDash val="solid"/>
+                      <a:round/>
+                      <a:headEnd type="none" w="med" len="med"/>
+                      <a:tailEnd type="none" w="med" len="med"/>
+                    </a:lnB>
+                  </a:tcPr>
+                </a:tc>
+                <a:extLst>
+                  <a:ext uri="{0D108BD9-81ED-4DB2-BD59-A6C34878D82A}">
+                    <a16:rowId xmlns:a16="http://schemas.microsoft.com/office/drawing/2014/main" val="1224123378"/>
+                  </a:ext>
+                </a:extLst>
+              </a:tr>
+              <a:tr h="370840">
+                <a:tc>
+                  <a:txBody>
+                    <a:bodyPr/>
+                    <a:lstStyle/>
+                    <a:p>
+                      <a:pPr algn="ctr"/>
+                      <a:r>
+                        <a:rPr lang="en-US" dirty="0"/>
+                        <a:t>Accuracy </a:t>
+                      </a:r>
+                    </a:p>
+                  </a:txBody>
+                  <a:tcPr>
+                    <a:lnL w="12700" cap="flat" cmpd="sng" algn="ctr">
+                      <a:solidFill>
+                        <a:schemeClr val="tx1"/>
+                      </a:solidFill>
+                      <a:prstDash val="solid"/>
+                      <a:round/>
+                      <a:headEnd type="none" w="med" len="med"/>
+                      <a:tailEnd type="none" w="med" len="med"/>
+                    </a:lnL>
+                    <a:lnR w="12700" cap="flat" cmpd="sng" algn="ctr">
+                      <a:solidFill>
+                        <a:schemeClr val="tx1"/>
+                      </a:solidFill>
+                      <a:prstDash val="solid"/>
+                      <a:round/>
+                      <a:headEnd type="none" w="med" len="med"/>
+                      <a:tailEnd type="none" w="med" len="med"/>
+                    </a:lnR>
+                    <a:lnT w="12700" cap="flat" cmpd="sng" algn="ctr">
+                      <a:solidFill>
+                        <a:schemeClr val="tx1"/>
+                      </a:solidFill>
+                      <a:prstDash val="solid"/>
+                      <a:round/>
+                      <a:headEnd type="none" w="med" len="med"/>
+                      <a:tailEnd type="none" w="med" len="med"/>
+                    </a:lnT>
+                    <a:lnB w="12700" cap="flat" cmpd="sng" algn="ctr">
+                      <a:solidFill>
+                        <a:schemeClr val="tx1"/>
+                      </a:solidFill>
+                      <a:prstDash val="solid"/>
+                      <a:round/>
+                      <a:headEnd type="none" w="med" len="med"/>
+                      <a:tailEnd type="none" w="med" len="med"/>
+                    </a:lnB>
+                  </a:tcPr>
+                </a:tc>
+                <a:tc>
+                  <a:txBody>
+                    <a:bodyPr/>
+                    <a:lstStyle/>
+                    <a:p>
+                      <a:pPr algn="ctr"/>
+                      <a:r>
+                        <a:rPr lang="en-US" sz="1800" kern="1200" dirty="0">
+                          <a:solidFill>
+                            <a:schemeClr val="dk1"/>
+                          </a:solidFill>
+                          <a:effectLst/>
+                        </a:rPr>
+                        <a:t>0.939</a:t>
+                      </a:r>
+                      <a:endParaRPr lang="en-US" dirty="0"/>
+                    </a:p>
+                  </a:txBody>
+                  <a:tcPr>
+                    <a:lnL w="12700" cap="flat" cmpd="sng" algn="ctr">
+                      <a:solidFill>
+                        <a:schemeClr val="tx1"/>
+                      </a:solidFill>
+                      <a:prstDash val="solid"/>
+                      <a:round/>
+                      <a:headEnd type="none" w="med" len="med"/>
+                      <a:tailEnd type="none" w="med" len="med"/>
+                    </a:lnL>
+                    <a:lnR w="12700" cap="flat" cmpd="sng" algn="ctr">
+                      <a:solidFill>
+                        <a:schemeClr val="tx1"/>
+                      </a:solidFill>
+                      <a:prstDash val="solid"/>
+                      <a:round/>
+                      <a:headEnd type="none" w="med" len="med"/>
+                      <a:tailEnd type="none" w="med" len="med"/>
+                    </a:lnR>
+                    <a:lnT w="12700" cap="flat" cmpd="sng" algn="ctr">
+                      <a:solidFill>
+                        <a:schemeClr val="tx1"/>
+                      </a:solidFill>
+                      <a:prstDash val="solid"/>
+                      <a:round/>
+                      <a:headEnd type="none" w="med" len="med"/>
+                      <a:tailEnd type="none" w="med" len="med"/>
+                    </a:lnT>
+                    <a:lnB w="12700" cap="flat" cmpd="sng" algn="ctr">
+                      <a:solidFill>
+                        <a:schemeClr val="tx1"/>
+                      </a:solidFill>
+                      <a:prstDash val="solid"/>
+                      <a:round/>
+                      <a:headEnd type="none" w="med" len="med"/>
+                      <a:tailEnd type="none" w="med" len="med"/>
+                    </a:lnB>
+                  </a:tcPr>
+                </a:tc>
+                <a:tc>
+                  <a:txBody>
+                    <a:bodyPr/>
+                    <a:lstStyle/>
+                    <a:p>
+                      <a:pPr algn="ctr"/>
+                      <a:r>
+                        <a:rPr lang="en-US" sz="1800" kern="1200" dirty="0">
+                          <a:solidFill>
+                            <a:schemeClr val="dk1"/>
+                          </a:solidFill>
+                          <a:effectLst/>
+                        </a:rPr>
+                        <a:t>0.926</a:t>
+                      </a:r>
+                      <a:endParaRPr lang="en-US" dirty="0"/>
+                    </a:p>
+                  </a:txBody>
+                  <a:tcPr>
+                    <a:lnL w="12700" cap="flat" cmpd="sng" algn="ctr">
+                      <a:solidFill>
+                        <a:schemeClr val="tx1"/>
+                      </a:solidFill>
+                      <a:prstDash val="solid"/>
+                      <a:round/>
+                      <a:headEnd type="none" w="med" len="med"/>
+                      <a:tailEnd type="none" w="med" len="med"/>
+                    </a:lnL>
+                    <a:lnR w="12700" cap="flat" cmpd="sng" algn="ctr">
+                      <a:solidFill>
+                        <a:schemeClr val="tx1"/>
+                      </a:solidFill>
+                      <a:prstDash val="solid"/>
+                      <a:round/>
+                      <a:headEnd type="none" w="med" len="med"/>
+                      <a:tailEnd type="none" w="med" len="med"/>
+                    </a:lnR>
+                    <a:lnT w="12700" cap="flat" cmpd="sng" algn="ctr">
+                      <a:solidFill>
+                        <a:schemeClr val="tx1"/>
+                      </a:solidFill>
+                      <a:prstDash val="solid"/>
+                      <a:round/>
+                      <a:headEnd type="none" w="med" len="med"/>
+                      <a:tailEnd type="none" w="med" len="med"/>
+                    </a:lnT>
+                    <a:lnB w="12700" cap="flat" cmpd="sng" algn="ctr">
+                      <a:solidFill>
+                        <a:schemeClr val="tx1"/>
+                      </a:solidFill>
+                      <a:prstDash val="solid"/>
+                      <a:round/>
+                      <a:headEnd type="none" w="med" len="med"/>
+                      <a:tailEnd type="none" w="med" len="med"/>
+                    </a:lnB>
+                  </a:tcPr>
+                </a:tc>
+                <a:extLst>
+                  <a:ext uri="{0D108BD9-81ED-4DB2-BD59-A6C34878D82A}">
+                    <a16:rowId xmlns:a16="http://schemas.microsoft.com/office/drawing/2014/main" val="1895646397"/>
+                  </a:ext>
+                </a:extLst>
+              </a:tr>
+            </a:tbl>
+          </a:graphicData>
+        </a:graphic>
+      </p:graphicFrame>
+      <p:sp>
+        <p:nvSpPr>
+          <p:cNvPr id="5" name="TextBox 4">
+            <a:extLst>
+              <a:ext uri="{FF2B5EF4-FFF2-40B4-BE49-F238E27FC236}">
+                <a16:creationId xmlns:a16="http://schemas.microsoft.com/office/drawing/2014/main" id="{BE59E28C-35CB-454A-9C9B-62B40F267031}"/>
+              </a:ext>
+            </a:extLst>
+          </p:cNvPr>
+          <p:cNvSpPr txBox="1"/>
+          <p:nvPr/>
+        </p:nvSpPr>
+        <p:spPr>
+          <a:xfrm>
+            <a:off x="830253" y="5009565"/>
+            <a:ext cx="1268296" cy="369332"/>
+          </a:xfrm>
+          <a:prstGeom prst="rect">
+            <a:avLst/>
+          </a:prstGeom>
+          <a:noFill/>
+        </p:spPr>
+        <p:txBody>
+          <a:bodyPr wrap="none" rtlCol="0">
+            <a:spAutoFit/>
+          </a:bodyPr>
+          <a:lstStyle/>
+          <a:p>
+            <a:r>
+              <a:rPr lang="en-US" sz="1800" b="1" dirty="0">
+                <a:solidFill>
+                  <a:srgbClr val="24292F"/>
+                </a:solidFill>
+                <a:effectLst/>
+                <a:latin typeface="Times New Roman" panose="02020603050405020304" pitchFamily="18" charset="0"/>
+                <a:ea typeface="Calibri" panose="020F0502020204030204" pitchFamily="34" charset="0"/>
+                <a:cs typeface="Times New Roman" panose="02020603050405020304" pitchFamily="18" charset="0"/>
+              </a:rPr>
+              <a:t>10-fold CV</a:t>
+            </a:r>
+            <a:endParaRPr lang="en-US" dirty="0"/>
+          </a:p>
+        </p:txBody>
+      </p:sp>
+    </p:spTree>
+    <p:extLst>
+      <p:ext uri="{BB962C8B-B14F-4D97-AF65-F5344CB8AC3E}">
+        <p14:creationId xmlns:p14="http://schemas.microsoft.com/office/powerpoint/2010/main" val="1500990764"/>
+      </p:ext>
+    </p:extLst>
+  </p:cSld>
+  <p:clrMapOvr>
+    <a:overrideClrMapping bg1="lt1" tx1="dk1" bg2="lt2" tx2="dk2" accent1="accent1" accent2="accent2" accent3="accent3" accent4="accent4" accent5="accent5" accent6="accent6" hlink="hlink" folHlink="folHlink"/>
+  </p:clrMapOvr>
+</p:sld>
+</file>
+
+<file path=ppt/slides/slide11.xml><?xml version="1.0" encoding="utf-8"?>
 <p:sld xmlns:a="http://schemas.openxmlformats.org/drawingml/2006/main" xmlns:r="http://schemas.openxmlformats.org/officeDocument/2006/relationships" xmlns:p="http://schemas.openxmlformats.org/presentationml/2006/main">
   <p:cSld>
     <p:bg>
@@ -6696,7 +7366,7 @@
           </a:effectLst>
           <a:extLst>
             <a:ext uri="{91240B29-F687-4f45-9708-019B960494DF}">
-              <a14:hiddenLine xmlns="" xmlns:a16="http://schemas.microsoft.com/office/drawing/2014/main" xmlns:p14="http://schemas.microsoft.com/office/powerpoint/2010/main" xmlns:a14="http://schemas.microsoft.com/office/drawing/2010/main" w="9525">
+              <a14:hiddenLine xmlns:a14="http://schemas.microsoft.com/office/drawing/2010/main" xmlns:p14="http://schemas.microsoft.com/office/powerpoint/2010/main" xmlns:a16="http://schemas.microsoft.com/office/drawing/2014/main" xmlns="" w="9525">
                 <a:solidFill>
                   <a:srgbClr val="000000"/>
                 </a:solidFill>
